--- a/BSCSE/[251] Spring 2025/Theory of Computation_CSE 2233/Slides/02 - Finite Automata.pptx
+++ b/BSCSE/[251] Spring 2025/Theory of Computation_CSE 2233/Slides/02 - Finite Automata.pptx
@@ -23,7 +23,8 @@
     <p:sldId id="271" r:id="rId17"/>
     <p:sldId id="272" r:id="rId18"/>
     <p:sldId id="273" r:id="rId19"/>
-    <p:sldId id="274" r:id="rId20"/>
+    <p:sldId id="275" r:id="rId20"/>
+    <p:sldId id="274" r:id="rId21"/>
   </p:sldIdLst>
   <p:sldSz cx="12192000" cy="6858000"/>
   <p:notesSz cx="12192000" cy="6858000"/>
@@ -15311,7 +15312,13 @@
   <p:cSld>
     <p:spTree>
       <p:nvGrpSpPr>
-        <p:cNvPr id="1" name=""/>
+        <p:cNvPr id="1" name="">
+          <a:extLst>
+            <a:ext uri="{FF2B5EF4-FFF2-40B4-BE49-F238E27FC236}">
+              <a16:creationId xmlns:a16="http://schemas.microsoft.com/office/drawing/2014/main" id="{69E9DD15-6348-6279-4EC2-ED680A37BEB1}"/>
+            </a:ext>
+          </a:extLst>
+        </p:cNvPr>
         <p:cNvGrpSpPr/>
         <p:nvPr/>
       </p:nvGrpSpPr>
@@ -15325,7 +15332,13 @@
       </p:grpSpPr>
       <p:sp>
         <p:nvSpPr>
-          <p:cNvPr id="2" name="object 2"/>
+          <p:cNvPr id="2" name="object 2">
+            <a:extLst>
+              <a:ext uri="{FF2B5EF4-FFF2-40B4-BE49-F238E27FC236}">
+                <a16:creationId xmlns:a16="http://schemas.microsoft.com/office/drawing/2014/main" id="{AA38D3B5-4E20-60B2-FD7C-6753A03C24B2}"/>
+              </a:ext>
+            </a:extLst>
+          </p:cNvPr>
           <p:cNvSpPr txBox="1">
             <a:spLocks noGrp="1"/>
           </p:cNvSpPr>
@@ -15335,8 +15348,8 @@
         </p:nvSpPr>
         <p:spPr>
           <a:xfrm>
-            <a:off x="4704334" y="3369309"/>
-            <a:ext cx="2306066" cy="536044"/>
+            <a:off x="1176019" y="914146"/>
+            <a:ext cx="2206625" cy="756920"/>
           </a:xfrm>
           <a:prstGeom prst="rect">
             <a:avLst/>
@@ -15357,35 +15370,21 @@
               </a:spcBef>
             </a:pPr>
             <a:r>
-              <a:rPr sz="3400" spc="-10" dirty="0">
-                <a:solidFill>
-                  <a:srgbClr val="000000"/>
-                </a:solidFill>
-                <a:latin typeface="Calibri"/>
-                <a:cs typeface="Calibri"/>
-              </a:rPr>
-              <a:t>Thank</a:t>
-            </a:r>
-            <a:r>
-              <a:rPr lang="en-US" sz="3400" spc="-10" dirty="0">
-                <a:solidFill>
-                  <a:srgbClr val="000000"/>
-                </a:solidFill>
-                <a:latin typeface="Calibri"/>
-                <a:cs typeface="Calibri"/>
-              </a:rPr>
-              <a:t> You</a:t>
-            </a:r>
-            <a:endParaRPr sz="3400" dirty="0">
-              <a:latin typeface="Calibri"/>
-              <a:cs typeface="Calibri"/>
-            </a:endParaRPr>
+              <a:rPr spc="-50" dirty="0"/>
+              <a:t>Example:</a:t>
+            </a:r>
           </a:p>
         </p:txBody>
       </p:sp>
       <p:sp>
         <p:nvSpPr>
-          <p:cNvPr id="3" name="object 3"/>
+          <p:cNvPr id="29" name="object 29">
+            <a:extLst>
+              <a:ext uri="{FF2B5EF4-FFF2-40B4-BE49-F238E27FC236}">
+                <a16:creationId xmlns:a16="http://schemas.microsoft.com/office/drawing/2014/main" id="{842351C1-9FC7-762D-51B9-572F4E991DEE}"/>
+              </a:ext>
+            </a:extLst>
+          </p:cNvPr>
           <p:cNvSpPr txBox="1">
             <a:spLocks noGrp="1"/>
           </p:cNvSpPr>
@@ -15417,7 +15416,530 @@
           </a:p>
         </p:txBody>
       </p:sp>
+      <p:sp>
+        <p:nvSpPr>
+          <p:cNvPr id="23" name="object 23">
+            <a:extLst>
+              <a:ext uri="{FF2B5EF4-FFF2-40B4-BE49-F238E27FC236}">
+                <a16:creationId xmlns:a16="http://schemas.microsoft.com/office/drawing/2014/main" id="{C94FD2C2-2E86-01D8-2035-003FE0B9C0DF}"/>
+              </a:ext>
+            </a:extLst>
+          </p:cNvPr>
+          <p:cNvSpPr txBox="1"/>
+          <p:nvPr/>
+        </p:nvSpPr>
+        <p:spPr>
+          <a:xfrm>
+            <a:off x="1176019" y="1691108"/>
+            <a:ext cx="9110981" cy="3416961"/>
+          </a:xfrm>
+          <a:prstGeom prst="rect">
+            <a:avLst/>
+          </a:prstGeom>
+        </p:spPr>
+        <p:txBody>
+          <a:bodyPr vert="horz" wrap="square" lIns="0" tIns="132715" rIns="0" bIns="0" rtlCol="0">
+            <a:spAutoFit/>
+          </a:bodyPr>
+          <a:lstStyle/>
+          <a:p>
+            <a:pPr marL="355600" indent="-342900">
+              <a:lnSpc>
+                <a:spcPct val="100000"/>
+              </a:lnSpc>
+              <a:spcBef>
+                <a:spcPts val="1045"/>
+              </a:spcBef>
+              <a:buFont typeface="Arial" panose="020B0604020202020204" pitchFamily="34" charset="0"/>
+              <a:buChar char="•"/>
+            </a:pPr>
+            <a:r>
+              <a:rPr lang="en-GB" sz="2000" b="0" i="0" dirty="0">
+                <a:solidFill>
+                  <a:srgbClr val="333333"/>
+                </a:solidFill>
+                <a:effectLst/>
+                <a:latin typeface="Montserrat" panose="00000500000000000000" pitchFamily="2" charset="0"/>
+              </a:rPr>
+              <a:t>Design a FA with ∑ = {0, 1} accepts those string which starts with 1 and ends with 0.</a:t>
+            </a:r>
+          </a:p>
+          <a:p>
+            <a:pPr marL="355600" indent="-342900">
+              <a:lnSpc>
+                <a:spcPct val="100000"/>
+              </a:lnSpc>
+              <a:spcBef>
+                <a:spcPts val="1045"/>
+              </a:spcBef>
+              <a:buFont typeface="Arial" panose="020B0604020202020204" pitchFamily="34" charset="0"/>
+              <a:buChar char="•"/>
+            </a:pPr>
+            <a:r>
+              <a:rPr lang="en-GB" sz="2000" b="0" i="0" dirty="0">
+                <a:solidFill>
+                  <a:srgbClr val="333333"/>
+                </a:solidFill>
+                <a:effectLst/>
+                <a:latin typeface="Montserrat" panose="00000500000000000000" pitchFamily="2" charset="0"/>
+              </a:rPr>
+              <a:t>Design a FA with ∑ = {0, 1} accepts the only input 101.</a:t>
+            </a:r>
+            <a:endParaRPr lang="en-GB" sz="2000" dirty="0">
+              <a:solidFill>
+                <a:srgbClr val="333333"/>
+              </a:solidFill>
+              <a:latin typeface="Montserrat" panose="00000500000000000000" pitchFamily="2" charset="0"/>
+            </a:endParaRPr>
+          </a:p>
+          <a:p>
+            <a:pPr marL="355600" indent="-342900">
+              <a:lnSpc>
+                <a:spcPct val="100000"/>
+              </a:lnSpc>
+              <a:spcBef>
+                <a:spcPts val="1045"/>
+              </a:spcBef>
+              <a:buFont typeface="Arial" panose="020B0604020202020204" pitchFamily="34" charset="0"/>
+              <a:buChar char="•"/>
+            </a:pPr>
+            <a:r>
+              <a:rPr lang="en-GB" sz="2000" b="0" i="0" dirty="0">
+                <a:solidFill>
+                  <a:srgbClr val="333333"/>
+                </a:solidFill>
+                <a:effectLst/>
+                <a:latin typeface="Montserrat" panose="00000500000000000000" pitchFamily="2" charset="0"/>
+              </a:rPr>
+              <a:t>Design FA with ∑ = {0, 1} accepts the set of all strings with three consecutive 0’s.</a:t>
+            </a:r>
+          </a:p>
+          <a:p>
+            <a:pPr marL="355600" indent="-342900">
+              <a:lnSpc>
+                <a:spcPct val="100000"/>
+              </a:lnSpc>
+              <a:spcBef>
+                <a:spcPts val="1045"/>
+              </a:spcBef>
+              <a:buFont typeface="Arial" panose="020B0604020202020204" pitchFamily="34" charset="0"/>
+              <a:buChar char="•"/>
+            </a:pPr>
+            <a:r>
+              <a:rPr lang="en-GB" sz="2000" b="0" i="0" dirty="0">
+                <a:solidFill>
+                  <a:srgbClr val="333333"/>
+                </a:solidFill>
+                <a:effectLst/>
+                <a:latin typeface="Montserrat" panose="00000500000000000000" pitchFamily="2" charset="0"/>
+              </a:rPr>
+              <a:t>Design a FA with ∑ = {0, 1} accepts the strings with an even number of 0's followed by single 1.</a:t>
+            </a:r>
+            <a:endParaRPr lang="en-GB" sz="2000" dirty="0">
+              <a:solidFill>
+                <a:srgbClr val="333333"/>
+              </a:solidFill>
+              <a:latin typeface="Montserrat" panose="00000500000000000000" pitchFamily="2" charset="0"/>
+            </a:endParaRPr>
+          </a:p>
+          <a:p>
+            <a:pPr marL="355600" indent="-342900">
+              <a:lnSpc>
+                <a:spcPct val="100000"/>
+              </a:lnSpc>
+              <a:spcBef>
+                <a:spcPts val="1045"/>
+              </a:spcBef>
+              <a:buFont typeface="Arial" panose="020B0604020202020204" pitchFamily="34" charset="0"/>
+              <a:buChar char="•"/>
+            </a:pPr>
+            <a:r>
+              <a:rPr lang="en-GB" sz="2000" b="0" i="0">
+                <a:solidFill>
+                  <a:srgbClr val="333333"/>
+                </a:solidFill>
+                <a:effectLst/>
+                <a:latin typeface="Montserrat" panose="00000500000000000000" pitchFamily="2" charset="0"/>
+              </a:rPr>
+              <a:t>Design FA with ∑ = {0, 1} accepts even number of 0's and even number of 1's.</a:t>
+            </a:r>
+            <a:endParaRPr sz="1900" dirty="0">
+              <a:latin typeface="Calibri"/>
+              <a:cs typeface="Calibri"/>
+            </a:endParaRPr>
+          </a:p>
+        </p:txBody>
+      </p:sp>
+      <p:sp>
+        <p:nvSpPr>
+          <p:cNvPr id="30" name="object 5">
+            <a:extLst>
+              <a:ext uri="{FF2B5EF4-FFF2-40B4-BE49-F238E27FC236}">
+                <a16:creationId xmlns:a16="http://schemas.microsoft.com/office/drawing/2014/main" id="{724A3D76-5507-F0C6-7EE1-953AFF14D70B}"/>
+              </a:ext>
+            </a:extLst>
+          </p:cNvPr>
+          <p:cNvSpPr txBox="1">
+            <a:spLocks/>
+          </p:cNvSpPr>
+          <p:nvPr/>
+        </p:nvSpPr>
+        <p:spPr>
+          <a:xfrm>
+            <a:off x="4306825" y="6477000"/>
+            <a:ext cx="3236975" cy="319062"/>
+          </a:xfrm>
+          <a:prstGeom prst="rect">
+            <a:avLst/>
+          </a:prstGeom>
+        </p:spPr>
+        <p:txBody>
+          <a:bodyPr vert="horz" wrap="square" lIns="0" tIns="0" rIns="0" bIns="0" rtlCol="0">
+            <a:spAutoFit/>
+          </a:bodyPr>
+          <a:lstStyle>
+            <a:defPPr marR="0" lvl="0" algn="l" rtl="0">
+              <a:lnSpc>
+                <a:spcPct val="100000"/>
+              </a:lnSpc>
+              <a:spcBef>
+                <a:spcPts val="0"/>
+              </a:spcBef>
+              <a:spcAft>
+                <a:spcPts val="0"/>
+              </a:spcAft>
+            </a:defPPr>
+            <a:lvl1pPr marR="0" lvl="0" algn="l" rtl="0">
+              <a:lnSpc>
+                <a:spcPct val="100000"/>
+              </a:lnSpc>
+              <a:spcBef>
+                <a:spcPts val="0"/>
+              </a:spcBef>
+              <a:spcAft>
+                <a:spcPts val="0"/>
+              </a:spcAft>
+              <a:buClr>
+                <a:srgbClr val="000000"/>
+              </a:buClr>
+              <a:buFont typeface="Arial"/>
+              <a:defRPr sz="1400" b="0" i="0" u="none" strike="noStrike" cap="none">
+                <a:solidFill>
+                  <a:srgbClr val="000000"/>
+                </a:solidFill>
+                <a:latin typeface="Arial"/>
+                <a:ea typeface="Arial"/>
+                <a:cs typeface="Arial"/>
+                <a:sym typeface="Arial"/>
+              </a:defRPr>
+            </a:lvl1pPr>
+            <a:lvl2pPr marR="0" lvl="1" algn="l" rtl="0">
+              <a:lnSpc>
+                <a:spcPct val="100000"/>
+              </a:lnSpc>
+              <a:spcBef>
+                <a:spcPts val="0"/>
+              </a:spcBef>
+              <a:spcAft>
+                <a:spcPts val="0"/>
+              </a:spcAft>
+              <a:buClr>
+                <a:srgbClr val="000000"/>
+              </a:buClr>
+              <a:buFont typeface="Arial"/>
+              <a:defRPr sz="1400" b="0" i="0" u="none" strike="noStrike" cap="none">
+                <a:solidFill>
+                  <a:srgbClr val="000000"/>
+                </a:solidFill>
+                <a:latin typeface="Arial"/>
+                <a:ea typeface="Arial"/>
+                <a:cs typeface="Arial"/>
+                <a:sym typeface="Arial"/>
+              </a:defRPr>
+            </a:lvl2pPr>
+            <a:lvl3pPr marR="0" lvl="2" algn="l" rtl="0">
+              <a:lnSpc>
+                <a:spcPct val="100000"/>
+              </a:lnSpc>
+              <a:spcBef>
+                <a:spcPts val="0"/>
+              </a:spcBef>
+              <a:spcAft>
+                <a:spcPts val="0"/>
+              </a:spcAft>
+              <a:buClr>
+                <a:srgbClr val="000000"/>
+              </a:buClr>
+              <a:buFont typeface="Arial"/>
+              <a:defRPr sz="1400" b="0" i="0" u="none" strike="noStrike" cap="none">
+                <a:solidFill>
+                  <a:srgbClr val="000000"/>
+                </a:solidFill>
+                <a:latin typeface="Arial"/>
+                <a:ea typeface="Arial"/>
+                <a:cs typeface="Arial"/>
+                <a:sym typeface="Arial"/>
+              </a:defRPr>
+            </a:lvl3pPr>
+            <a:lvl4pPr marR="0" lvl="3" algn="l" rtl="0">
+              <a:lnSpc>
+                <a:spcPct val="100000"/>
+              </a:lnSpc>
+              <a:spcBef>
+                <a:spcPts val="0"/>
+              </a:spcBef>
+              <a:spcAft>
+                <a:spcPts val="0"/>
+              </a:spcAft>
+              <a:buClr>
+                <a:srgbClr val="000000"/>
+              </a:buClr>
+              <a:buFont typeface="Arial"/>
+              <a:defRPr sz="1400" b="0" i="0" u="none" strike="noStrike" cap="none">
+                <a:solidFill>
+                  <a:srgbClr val="000000"/>
+                </a:solidFill>
+                <a:latin typeface="Arial"/>
+                <a:ea typeface="Arial"/>
+                <a:cs typeface="Arial"/>
+                <a:sym typeface="Arial"/>
+              </a:defRPr>
+            </a:lvl4pPr>
+            <a:lvl5pPr marR="0" lvl="4" algn="l" rtl="0">
+              <a:lnSpc>
+                <a:spcPct val="100000"/>
+              </a:lnSpc>
+              <a:spcBef>
+                <a:spcPts val="0"/>
+              </a:spcBef>
+              <a:spcAft>
+                <a:spcPts val="0"/>
+              </a:spcAft>
+              <a:buClr>
+                <a:srgbClr val="000000"/>
+              </a:buClr>
+              <a:buFont typeface="Arial"/>
+              <a:defRPr sz="1400" b="0" i="0" u="none" strike="noStrike" cap="none">
+                <a:solidFill>
+                  <a:srgbClr val="000000"/>
+                </a:solidFill>
+                <a:latin typeface="Arial"/>
+                <a:ea typeface="Arial"/>
+                <a:cs typeface="Arial"/>
+                <a:sym typeface="Arial"/>
+              </a:defRPr>
+            </a:lvl5pPr>
+            <a:lvl6pPr marR="0" lvl="5" algn="l" rtl="0">
+              <a:lnSpc>
+                <a:spcPct val="100000"/>
+              </a:lnSpc>
+              <a:spcBef>
+                <a:spcPts val="0"/>
+              </a:spcBef>
+              <a:spcAft>
+                <a:spcPts val="0"/>
+              </a:spcAft>
+              <a:buClr>
+                <a:srgbClr val="000000"/>
+              </a:buClr>
+              <a:buFont typeface="Arial"/>
+              <a:defRPr sz="1400" b="0" i="0" u="none" strike="noStrike" cap="none">
+                <a:solidFill>
+                  <a:srgbClr val="000000"/>
+                </a:solidFill>
+                <a:latin typeface="Arial"/>
+                <a:ea typeface="Arial"/>
+                <a:cs typeface="Arial"/>
+                <a:sym typeface="Arial"/>
+              </a:defRPr>
+            </a:lvl6pPr>
+            <a:lvl7pPr marR="0" lvl="6" algn="l" rtl="0">
+              <a:lnSpc>
+                <a:spcPct val="100000"/>
+              </a:lnSpc>
+              <a:spcBef>
+                <a:spcPts val="0"/>
+              </a:spcBef>
+              <a:spcAft>
+                <a:spcPts val="0"/>
+              </a:spcAft>
+              <a:buClr>
+                <a:srgbClr val="000000"/>
+              </a:buClr>
+              <a:buFont typeface="Arial"/>
+              <a:defRPr sz="1400" b="0" i="0" u="none" strike="noStrike" cap="none">
+                <a:solidFill>
+                  <a:srgbClr val="000000"/>
+                </a:solidFill>
+                <a:latin typeface="Arial"/>
+                <a:ea typeface="Arial"/>
+                <a:cs typeface="Arial"/>
+                <a:sym typeface="Arial"/>
+              </a:defRPr>
+            </a:lvl7pPr>
+            <a:lvl8pPr marR="0" lvl="7" algn="l" rtl="0">
+              <a:lnSpc>
+                <a:spcPct val="100000"/>
+              </a:lnSpc>
+              <a:spcBef>
+                <a:spcPts val="0"/>
+              </a:spcBef>
+              <a:spcAft>
+                <a:spcPts val="0"/>
+              </a:spcAft>
+              <a:buClr>
+                <a:srgbClr val="000000"/>
+              </a:buClr>
+              <a:buFont typeface="Arial"/>
+              <a:defRPr sz="1400" b="0" i="0" u="none" strike="noStrike" cap="none">
+                <a:solidFill>
+                  <a:srgbClr val="000000"/>
+                </a:solidFill>
+                <a:latin typeface="Arial"/>
+                <a:ea typeface="Arial"/>
+                <a:cs typeface="Arial"/>
+                <a:sym typeface="Arial"/>
+              </a:defRPr>
+            </a:lvl8pPr>
+            <a:lvl9pPr marR="0" lvl="8" algn="l" rtl="0">
+              <a:lnSpc>
+                <a:spcPct val="100000"/>
+              </a:lnSpc>
+              <a:spcBef>
+                <a:spcPts val="0"/>
+              </a:spcBef>
+              <a:spcAft>
+                <a:spcPts val="0"/>
+              </a:spcAft>
+              <a:buClr>
+                <a:srgbClr val="000000"/>
+              </a:buClr>
+              <a:buFont typeface="Arial"/>
+              <a:defRPr sz="1400" b="0" i="0" u="none" strike="noStrike" cap="none">
+                <a:solidFill>
+                  <a:srgbClr val="000000"/>
+                </a:solidFill>
+                <a:latin typeface="Arial"/>
+                <a:ea typeface="Arial"/>
+                <a:cs typeface="Arial"/>
+                <a:sym typeface="Arial"/>
+              </a:defRPr>
+            </a:lvl9pPr>
+          </a:lstStyle>
+          <a:p>
+            <a:pPr algn="ctr">
+              <a:lnSpc>
+                <a:spcPts val="1240"/>
+              </a:lnSpc>
+            </a:pPr>
+            <a:r>
+              <a:rPr lang="en-GB" dirty="0">
+                <a:solidFill>
+                  <a:schemeClr val="tx1"/>
+                </a:solidFill>
+                <a:latin typeface="Aptos Display" panose="020B0004020202020204" pitchFamily="34" charset="0"/>
+              </a:rPr>
+              <a:t>Lecturer Saifur Rahman,</a:t>
+            </a:r>
+            <a:r>
+              <a:rPr lang="en-GB" spc="-30" dirty="0">
+                <a:solidFill>
+                  <a:schemeClr val="tx1"/>
+                </a:solidFill>
+                <a:latin typeface="Aptos Display" panose="020B0004020202020204" pitchFamily="34" charset="0"/>
+              </a:rPr>
+              <a:t> </a:t>
+            </a:r>
+            <a:r>
+              <a:rPr lang="en-GB" dirty="0">
+                <a:solidFill>
+                  <a:schemeClr val="tx1"/>
+                </a:solidFill>
+                <a:latin typeface="Aptos Display" panose="020B0004020202020204" pitchFamily="34" charset="0"/>
+              </a:rPr>
+              <a:t>Dept.</a:t>
+            </a:r>
+            <a:r>
+              <a:rPr lang="en-GB" spc="-50" dirty="0">
+                <a:solidFill>
+                  <a:schemeClr val="tx1"/>
+                </a:solidFill>
+                <a:latin typeface="Aptos Display" panose="020B0004020202020204" pitchFamily="34" charset="0"/>
+              </a:rPr>
+              <a:t> </a:t>
+            </a:r>
+            <a:r>
+              <a:rPr lang="en-GB" dirty="0">
+                <a:solidFill>
+                  <a:schemeClr val="tx1"/>
+                </a:solidFill>
+                <a:latin typeface="Aptos Display" panose="020B0004020202020204" pitchFamily="34" charset="0"/>
+              </a:rPr>
+              <a:t>of</a:t>
+            </a:r>
+            <a:r>
+              <a:rPr lang="en-GB" spc="-20" dirty="0">
+                <a:solidFill>
+                  <a:schemeClr val="tx1"/>
+                </a:solidFill>
+                <a:latin typeface="Aptos Display" panose="020B0004020202020204" pitchFamily="34" charset="0"/>
+              </a:rPr>
+              <a:t> </a:t>
+            </a:r>
+            <a:r>
+              <a:rPr lang="en-GB" dirty="0">
+                <a:solidFill>
+                  <a:schemeClr val="tx1"/>
+                </a:solidFill>
+                <a:latin typeface="Aptos Display" panose="020B0004020202020204" pitchFamily="34" charset="0"/>
+              </a:rPr>
+              <a:t>CSE,</a:t>
+            </a:r>
+            <a:r>
+              <a:rPr lang="en-GB" spc="-15" dirty="0">
+                <a:solidFill>
+                  <a:schemeClr val="tx1"/>
+                </a:solidFill>
+                <a:latin typeface="Aptos Display" panose="020B0004020202020204" pitchFamily="34" charset="0"/>
+              </a:rPr>
+              <a:t> </a:t>
+            </a:r>
+            <a:r>
+              <a:rPr lang="en-GB" spc="-10" dirty="0">
+                <a:solidFill>
+                  <a:schemeClr val="tx1"/>
+                </a:solidFill>
+                <a:latin typeface="Aptos Display" panose="020B0004020202020204" pitchFamily="34" charset="0"/>
+              </a:rPr>
+              <a:t>United International</a:t>
+            </a:r>
+            <a:r>
+              <a:rPr lang="en-GB" spc="15" dirty="0">
+                <a:solidFill>
+                  <a:schemeClr val="tx1"/>
+                </a:solidFill>
+                <a:latin typeface="Aptos Display" panose="020B0004020202020204" pitchFamily="34" charset="0"/>
+              </a:rPr>
+              <a:t> </a:t>
+            </a:r>
+            <a:r>
+              <a:rPr lang="en-GB" spc="-10" dirty="0">
+                <a:solidFill>
+                  <a:schemeClr val="tx1"/>
+                </a:solidFill>
+                <a:latin typeface="Aptos Display" panose="020B0004020202020204" pitchFamily="34" charset="0"/>
+              </a:rPr>
+              <a:t>University</a:t>
+            </a:r>
+          </a:p>
+        </p:txBody>
+      </p:sp>
     </p:spTree>
+    <p:extLst>
+      <p:ext uri="{BB962C8B-B14F-4D97-AF65-F5344CB8AC3E}">
+        <p14:creationId xmlns:p14="http://schemas.microsoft.com/office/powerpoint/2010/main" val="3659138997"/>
+      </p:ext>
+    </p:extLst>
   </p:cSld>
   <p:clrMapOvr>
     <a:masterClrMapping/>
@@ -15528,8 +16050,8 @@
           </a:p>
         </p:txBody>
       </p:sp>
-      <mc:AlternateContent xmlns:mc="http://schemas.openxmlformats.org/markup-compatibility/2006">
-        <mc:Choice xmlns:a14="http://schemas.microsoft.com/office/drawing/2010/main" Requires="a14">
+      <mc:AlternateContent xmlns:mc="http://schemas.openxmlformats.org/markup-compatibility/2006" xmlns:a14="http://schemas.microsoft.com/office/drawing/2010/main">
+        <mc:Choice Requires="a14">
           <p:sp>
             <p:nvSpPr>
               <p:cNvPr id="3" name="object 3"/>
@@ -18880,7 +19402,7 @@
             </p:txBody>
           </p:sp>
         </mc:Choice>
-        <mc:Fallback>
+        <mc:Fallback xmlns="">
           <p:sp>
             <p:nvSpPr>
               <p:cNvPr id="3" name="object 3"/>
@@ -19280,6 +19802,125 @@
               </a:rPr>
               <a:t>University</a:t>
             </a:r>
+          </a:p>
+        </p:txBody>
+      </p:sp>
+    </p:spTree>
+  </p:cSld>
+  <p:clrMapOvr>
+    <a:masterClrMapping/>
+  </p:clrMapOvr>
+</p:sld>
+</file>
+
+<file path=ppt/slides/slide20.xml><?xml version="1.0" encoding="utf-8"?>
+<p:sld xmlns:a="http://schemas.openxmlformats.org/drawingml/2006/main" xmlns:r="http://schemas.openxmlformats.org/officeDocument/2006/relationships" xmlns:p="http://schemas.openxmlformats.org/presentationml/2006/main">
+  <p:cSld>
+    <p:spTree>
+      <p:nvGrpSpPr>
+        <p:cNvPr id="1" name=""/>
+        <p:cNvGrpSpPr/>
+        <p:nvPr/>
+      </p:nvGrpSpPr>
+      <p:grpSpPr>
+        <a:xfrm>
+          <a:off x="0" y="0"/>
+          <a:ext cx="0" cy="0"/>
+          <a:chOff x="0" y="0"/>
+          <a:chExt cx="0" cy="0"/>
+        </a:xfrm>
+      </p:grpSpPr>
+      <p:sp>
+        <p:nvSpPr>
+          <p:cNvPr id="2" name="object 2"/>
+          <p:cNvSpPr txBox="1">
+            <a:spLocks noGrp="1"/>
+          </p:cNvSpPr>
+          <p:nvPr>
+            <p:ph type="title"/>
+          </p:nvPr>
+        </p:nvSpPr>
+        <p:spPr>
+          <a:xfrm>
+            <a:off x="4704334" y="3369309"/>
+            <a:ext cx="2306066" cy="536044"/>
+          </a:xfrm>
+          <a:prstGeom prst="rect">
+            <a:avLst/>
+          </a:prstGeom>
+        </p:spPr>
+        <p:txBody>
+          <a:bodyPr vert="horz" wrap="square" lIns="0" tIns="12700" rIns="0" bIns="0" rtlCol="0">
+            <a:spAutoFit/>
+          </a:bodyPr>
+          <a:lstStyle/>
+          <a:p>
+            <a:pPr marL="12700">
+              <a:lnSpc>
+                <a:spcPct val="100000"/>
+              </a:lnSpc>
+              <a:spcBef>
+                <a:spcPts val="100"/>
+              </a:spcBef>
+            </a:pPr>
+            <a:r>
+              <a:rPr sz="3400" spc="-10" dirty="0">
+                <a:solidFill>
+                  <a:srgbClr val="000000"/>
+                </a:solidFill>
+                <a:latin typeface="Calibri"/>
+                <a:cs typeface="Calibri"/>
+              </a:rPr>
+              <a:t>Thank</a:t>
+            </a:r>
+            <a:r>
+              <a:rPr lang="en-US" sz="3400" spc="-10" dirty="0">
+                <a:solidFill>
+                  <a:srgbClr val="000000"/>
+                </a:solidFill>
+                <a:latin typeface="Calibri"/>
+                <a:cs typeface="Calibri"/>
+              </a:rPr>
+              <a:t> You</a:t>
+            </a:r>
+            <a:endParaRPr sz="3400" dirty="0">
+              <a:latin typeface="Calibri"/>
+              <a:cs typeface="Calibri"/>
+            </a:endParaRPr>
+          </a:p>
+        </p:txBody>
+      </p:sp>
+      <p:sp>
+        <p:nvSpPr>
+          <p:cNvPr id="3" name="object 3"/>
+          <p:cNvSpPr txBox="1">
+            <a:spLocks noGrp="1"/>
+          </p:cNvSpPr>
+          <p:nvPr>
+            <p:ph type="sldNum" sz="quarter" idx="7"/>
+          </p:nvPr>
+        </p:nvSpPr>
+        <p:spPr>
+          <a:prstGeom prst="rect">
+            <a:avLst/>
+          </a:prstGeom>
+        </p:spPr>
+        <p:txBody>
+          <a:bodyPr vert="horz" wrap="square" lIns="0" tIns="0" rIns="0" bIns="0" rtlCol="0">
+            <a:spAutoFit/>
+          </a:bodyPr>
+          <a:lstStyle/>
+          <a:p>
+            <a:pPr marL="12700">
+              <a:lnSpc>
+                <a:spcPts val="1100"/>
+              </a:lnSpc>
+            </a:pPr>
+            <a:fld id="{81D60167-4931-47E6-BA6A-407CBD079E47}" type="slidenum">
+              <a:rPr spc="-25" dirty="0"/>
+              <a:t>20</a:t>
+            </a:fld>
+            <a:endParaRPr spc="-25" dirty="0"/>
           </a:p>
         </p:txBody>
       </p:sp>
